--- a/project-2/asgn2-spec.pptx
+++ b/project-2/asgn2-spec.pptx
@@ -5148,7 +5148,7 @@
         <p:spPr>
           <a:xfrm>
             <a:off x="7976045" y="5940470"/>
-            <a:ext cx="3345724" cy="646331"/>
+            <a:ext cx="3744595" cy="645160"/>
           </a:xfrm>
           <a:prstGeom prst="rect">
             <a:avLst/>
@@ -5163,7 +5163,15 @@
           <a:p>
             <a:r>
               <a:rPr lang="en-US" dirty="0"/>
-              <a:t>Expanded view when a user clicks</a:t>
+              <a:t>Expanded view when a user </a:t>
+            </a:r>
+            <a:r>
+              <a:rPr lang="en-US" b="1" dirty="0">
+                <a:solidFill>
+                  <a:srgbClr val="FF0000"/>
+                </a:solidFill>
+              </a:rPr>
+              <a:t>clicks</a:t>
             </a:r>
             <a:endParaRPr lang="en-US" dirty="0"/>
           </a:p>
@@ -5515,7 +5523,7 @@
         </p:nvSpPr>
         <p:spPr>
           <a:xfrm>
-            <a:off x="1101631" y="1486204"/>
+            <a:off x="1101631" y="1475409"/>
             <a:ext cx="5046619" cy="780540"/>
           </a:xfrm>
           <a:prstGeom prst="rect">
